--- a/day0/F/solution/F.pptx
+++ b/day0/F/solution/F.pptx
@@ -108,6 +108,11 @@
       </a:defRPr>
     </a:lvl9pPr>
   </p:defaultTextStyle>
+  <p:extLst>
+    <p:ext uri="{EFAFB233-063F-42B5-8137-9DF3F51BA10A}">
+      <p15:sldGuideLst xmlns:p15="http://schemas.microsoft.com/office/powerpoint/2012/main"/>
+    </p:ext>
+  </p:extLst>
 </p:presentation>
 </file>
 
@@ -3488,6 +3493,36 @@
           </a:p>
         </p:txBody>
       </p:sp>
+      <p:pic>
+        <p:nvPicPr>
+          <p:cNvPr id="5" name="图片 4">
+            <a:extLst>
+              <a:ext uri="{FF2B5EF4-FFF2-40B4-BE49-F238E27FC236}">
+                <a16:creationId xmlns:a16="http://schemas.microsoft.com/office/drawing/2014/main" id="{4C810743-F9C5-4CC2-9504-2035614FDC07}"/>
+              </a:ext>
+            </a:extLst>
+          </p:cNvPr>
+          <p:cNvPicPr>
+            <a:picLocks noChangeAspect="1"/>
+          </p:cNvPicPr>
+          <p:nvPr/>
+        </p:nvPicPr>
+        <p:blipFill>
+          <a:blip r:embed="rId2"/>
+          <a:stretch>
+            <a:fillRect/>
+          </a:stretch>
+        </p:blipFill>
+        <p:spPr>
+          <a:xfrm>
+            <a:off x="838200" y="3709177"/>
+            <a:ext cx="10515600" cy="2467786"/>
+          </a:xfrm>
+          <a:prstGeom prst="rect">
+            <a:avLst/>
+          </a:prstGeom>
+        </p:spPr>
+      </p:pic>
     </p:spTree>
     <p:extLst>
       <p:ext uri="{BB962C8B-B14F-4D97-AF65-F5344CB8AC3E}">
@@ -3546,8 +3581,8 @@
           </a:p>
         </p:txBody>
       </p:sp>
-      <mc:AlternateContent xmlns:mc="http://schemas.openxmlformats.org/markup-compatibility/2006">
-        <mc:Choice xmlns:a14="http://schemas.microsoft.com/office/drawing/2010/main" Requires="a14">
+      <mc:AlternateContent xmlns:mc="http://schemas.openxmlformats.org/markup-compatibility/2006" xmlns:a14="http://schemas.microsoft.com/office/drawing/2010/main">
+        <mc:Choice Requires="a14">
           <p:sp>
             <p:nvSpPr>
               <p:cNvPr id="3" name="内容占位符 2">
@@ -3742,7 +3777,7 @@
             </p:txBody>
           </p:sp>
         </mc:Choice>
-        <mc:Fallback>
+        <mc:Fallback xmlns="">
           <p:sp>
             <p:nvSpPr>
               <p:cNvPr id="3" name="内容占位符 2">
@@ -3840,8 +3875,8 @@
           </a:p>
         </p:txBody>
       </p:sp>
-      <mc:AlternateContent xmlns:mc="http://schemas.openxmlformats.org/markup-compatibility/2006">
-        <mc:Choice xmlns:a14="http://schemas.microsoft.com/office/drawing/2010/main" Requires="a14">
+      <mc:AlternateContent xmlns:mc="http://schemas.openxmlformats.org/markup-compatibility/2006" xmlns:a14="http://schemas.microsoft.com/office/drawing/2010/main">
+        <mc:Choice Requires="a14">
           <p:sp>
             <p:nvSpPr>
               <p:cNvPr id="3" name="内容占位符 2">
@@ -4278,7 +4313,7 @@
             </p:txBody>
           </p:sp>
         </mc:Choice>
-        <mc:Fallback>
+        <mc:Fallback xmlns="">
           <p:sp>
             <p:nvSpPr>
               <p:cNvPr id="3" name="内容占位符 2">
@@ -4376,8 +4411,8 @@
           </a:p>
         </p:txBody>
       </p:sp>
-      <mc:AlternateContent xmlns:mc="http://schemas.openxmlformats.org/markup-compatibility/2006">
-        <mc:Choice xmlns:a14="http://schemas.microsoft.com/office/drawing/2010/main" Requires="a14">
+      <mc:AlternateContent xmlns:mc="http://schemas.openxmlformats.org/markup-compatibility/2006" xmlns:a14="http://schemas.microsoft.com/office/drawing/2010/main">
+        <mc:Choice Requires="a14">
           <p:sp>
             <p:nvSpPr>
               <p:cNvPr id="3" name="内容占位符 2">
@@ -4750,7 +4785,7 @@
             </p:txBody>
           </p:sp>
         </mc:Choice>
-        <mc:Fallback>
+        <mc:Fallback xmlns="">
           <p:sp>
             <p:nvSpPr>
               <p:cNvPr id="3" name="内容占位符 2">
